--- a/2nd lesson/lesson 2.pptx
+++ b/2nd lesson/lesson 2.pptx
@@ -7900,13 +7900,13 @@
   <p:clrMapOvr>
     <a:masterClrMapping/>
   </p:clrMapOvr>
-  <mc:AlternateContent xmlns:mc="http://schemas.openxmlformats.org/markup-compatibility/2006">
-    <mc:Choice xmlns:p14="http://schemas.microsoft.com/office/powerpoint/2010/main" Requires="p14">
+  <mc:AlternateContent xmlns:mc="http://schemas.openxmlformats.org/markup-compatibility/2006" xmlns:p14="http://schemas.microsoft.com/office/powerpoint/2010/main">
+    <mc:Choice Requires="p14">
       <p:transition spd="med" p14:dur="700">
         <p:fade/>
       </p:transition>
     </mc:Choice>
-    <mc:Fallback>
+    <mc:Fallback xmlns="">
       <p:transition spd="med">
         <p:fade/>
       </p:transition>
@@ -10323,7 +10323,7 @@
           <a:p>
             <a:r>
               <a:rPr lang="en-US" sz="2400" dirty="0"/>
-              <a:t>If/else statements allow us to create a function that takes decisions using code.</a:t>
+              <a:t>If/else is a conditional statement that allows us to run a block of code if certain conditions are met.</a:t>
             </a:r>
           </a:p>
           <a:p>
@@ -11885,7 +11885,12 @@
             <p:ph idx="1"/>
           </p:nvPr>
         </p:nvSpPr>
-        <p:spPr/>
+        <p:spPr>
+          <a:xfrm>
+            <a:off x="685801" y="2142067"/>
+            <a:ext cx="10131425" cy="4715933"/>
+          </a:xfrm>
+        </p:spPr>
         <p:txBody>
           <a:bodyPr>
             <a:normAutofit/>
@@ -11900,7 +11905,15 @@
           <a:p>
             <a:r>
               <a:rPr lang="en-US" sz="2000" dirty="0"/>
-              <a:t>Just a reminder an example of operators is the following: ! &lt; &gt; &amp;&amp; || == ===</a:t>
+              <a:t>Just a reminder an example of operators is the following: ! &lt; &gt; &amp;&amp; || </a:t>
+            </a:r>
+            <a:r>
+              <a:rPr lang="en-US" sz="2000" dirty="0">
+                <a:solidFill>
+                  <a:srgbClr val="FF0000"/>
+                </a:solidFill>
+              </a:rPr>
+              <a:t>== ===</a:t>
             </a:r>
           </a:p>
           <a:p>
@@ -11932,6 +11945,31 @@
               <a:t>https://developer.mozilla.org/en-US/docs/Web/JavaScript/Reference/Operators/Operator_Precedence</a:t>
             </a:r>
             <a:endParaRPr lang="en-US" sz="2000" dirty="0"/>
+          </a:p>
+          <a:p>
+            <a:pPr marL="0" indent="0">
+              <a:buNone/>
+            </a:pPr>
+            <a:endParaRPr lang="en-US" sz="2000" dirty="0"/>
+          </a:p>
+          <a:p>
+            <a:pPr marL="0" indent="0">
+              <a:buNone/>
+            </a:pPr>
+            <a:endParaRPr lang="en-US" sz="2000" dirty="0"/>
+          </a:p>
+          <a:p>
+            <a:pPr marL="0" indent="0">
+              <a:buNone/>
+            </a:pPr>
+            <a:r>
+              <a:rPr lang="en-US" sz="2000" dirty="0">
+                <a:solidFill>
+                  <a:srgbClr val="FF0000"/>
+                </a:solidFill>
+              </a:rPr>
+              <a:t>*As mentioned in previous lesson, there is a big difference between == and ===.</a:t>
+            </a:r>
           </a:p>
           <a:p>
             <a:endParaRPr lang="en-US" sz="2000" dirty="0"/>
@@ -12239,6 +12277,67 @@
                                           <p:spTgt spid="3">
                                             <p:txEl>
                                               <p:pRg st="4" end="4"/>
+                                            </p:txEl>
+                                          </p:spTgt>
+                                        </p:tgtEl>
+                                      </p:cBhvr>
+                                    </p:animEffect>
+                                  </p:childTnLst>
+                                </p:cTn>
+                              </p:par>
+                            </p:childTnLst>
+                          </p:cTn>
+                        </p:par>
+                      </p:childTnLst>
+                    </p:cTn>
+                  </p:par>
+                  <p:par>
+                    <p:cTn id="28" fill="hold">
+                      <p:stCondLst>
+                        <p:cond delay="indefinite"/>
+                      </p:stCondLst>
+                      <p:childTnLst>
+                        <p:par>
+                          <p:cTn id="29" fill="hold">
+                            <p:stCondLst>
+                              <p:cond delay="0"/>
+                            </p:stCondLst>
+                            <p:childTnLst>
+                              <p:par>
+                                <p:cTn id="30" presetID="10" presetClass="entr" presetSubtype="0" fill="hold" grpId="0" nodeType="clickEffect">
+                                  <p:stCondLst>
+                                    <p:cond delay="0"/>
+                                  </p:stCondLst>
+                                  <p:childTnLst>
+                                    <p:set>
+                                      <p:cBhvr>
+                                        <p:cTn id="31" dur="1" fill="hold">
+                                          <p:stCondLst>
+                                            <p:cond delay="0"/>
+                                          </p:stCondLst>
+                                        </p:cTn>
+                                        <p:tgtEl>
+                                          <p:spTgt spid="3">
+                                            <p:txEl>
+                                              <p:pRg st="7" end="7"/>
+                                            </p:txEl>
+                                          </p:spTgt>
+                                        </p:tgtEl>
+                                        <p:attrNameLst>
+                                          <p:attrName>style.visibility</p:attrName>
+                                        </p:attrNameLst>
+                                      </p:cBhvr>
+                                      <p:to>
+                                        <p:strVal val="visible"/>
+                                      </p:to>
+                                    </p:set>
+                                    <p:animEffect transition="in" filter="fade">
+                                      <p:cBhvr>
+                                        <p:cTn id="32" dur="500"/>
+                                        <p:tgtEl>
+                                          <p:spTgt spid="3">
+                                            <p:txEl>
+                                              <p:pRg st="7" end="7"/>
                                             </p:txEl>
                                           </p:spTgt>
                                         </p:tgtEl>
